--- a/ОРГ/Место глобализационных процессов в России.pptx
+++ b/ОРГ/Место глобализационных процессов в России.pptx
@@ -119,6 +119,11 @@
       </a:defRPr>
     </a:lvl9pPr>
   </p:defaultTextStyle>
+  <p:extLst>
+    <p:ext uri="{EFAFB233-063F-42B5-8137-9DF3F51BA10A}">
+      <p15:sldGuideLst xmlns:p15="http://schemas.microsoft.com/office/powerpoint/2012/main"/>
+    </p:ext>
+  </p:extLst>
 </p:presentation>
 </file>
 
@@ -271,7 +276,7 @@
           <a:p>
             <a:fld id="{80B317CE-5868-4893-BDF1-1B38D076F6B7}" type="datetimeFigureOut">
               <a:rPr lang="en-US" smtClean="0"/>
-              <a:t>3/21/2024</a:t>
+              <a:t>3/27/2024</a:t>
             </a:fld>
             <a:endParaRPr lang="en-US"/>
           </a:p>
@@ -471,7 +476,7 @@
           <a:p>
             <a:fld id="{80B317CE-5868-4893-BDF1-1B38D076F6B7}" type="datetimeFigureOut">
               <a:rPr lang="en-US" smtClean="0"/>
-              <a:t>3/21/2024</a:t>
+              <a:t>3/27/2024</a:t>
             </a:fld>
             <a:endParaRPr lang="en-US"/>
           </a:p>
@@ -681,7 +686,7 @@
           <a:p>
             <a:fld id="{80B317CE-5868-4893-BDF1-1B38D076F6B7}" type="datetimeFigureOut">
               <a:rPr lang="en-US" smtClean="0"/>
-              <a:t>3/21/2024</a:t>
+              <a:t>3/27/2024</a:t>
             </a:fld>
             <a:endParaRPr lang="en-US"/>
           </a:p>
@@ -881,7 +886,7 @@
           <a:p>
             <a:fld id="{80B317CE-5868-4893-BDF1-1B38D076F6B7}" type="datetimeFigureOut">
               <a:rPr lang="en-US" smtClean="0"/>
-              <a:t>3/21/2024</a:t>
+              <a:t>3/27/2024</a:t>
             </a:fld>
             <a:endParaRPr lang="en-US"/>
           </a:p>
@@ -1157,7 +1162,7 @@
           <a:p>
             <a:fld id="{80B317CE-5868-4893-BDF1-1B38D076F6B7}" type="datetimeFigureOut">
               <a:rPr lang="en-US" smtClean="0"/>
-              <a:t>3/21/2024</a:t>
+              <a:t>3/27/2024</a:t>
             </a:fld>
             <a:endParaRPr lang="en-US"/>
           </a:p>
@@ -1425,7 +1430,7 @@
           <a:p>
             <a:fld id="{80B317CE-5868-4893-BDF1-1B38D076F6B7}" type="datetimeFigureOut">
               <a:rPr lang="en-US" smtClean="0"/>
-              <a:t>3/21/2024</a:t>
+              <a:t>3/27/2024</a:t>
             </a:fld>
             <a:endParaRPr lang="en-US"/>
           </a:p>
@@ -1840,7 +1845,7 @@
           <a:p>
             <a:fld id="{80B317CE-5868-4893-BDF1-1B38D076F6B7}" type="datetimeFigureOut">
               <a:rPr lang="en-US" smtClean="0"/>
-              <a:t>3/21/2024</a:t>
+              <a:t>3/27/2024</a:t>
             </a:fld>
             <a:endParaRPr lang="en-US"/>
           </a:p>
@@ -1982,7 +1987,7 @@
           <a:p>
             <a:fld id="{80B317CE-5868-4893-BDF1-1B38D076F6B7}" type="datetimeFigureOut">
               <a:rPr lang="en-US" smtClean="0"/>
-              <a:t>3/21/2024</a:t>
+              <a:t>3/27/2024</a:t>
             </a:fld>
             <a:endParaRPr lang="en-US"/>
           </a:p>
@@ -2095,7 +2100,7 @@
           <a:p>
             <a:fld id="{80B317CE-5868-4893-BDF1-1B38D076F6B7}" type="datetimeFigureOut">
               <a:rPr lang="en-US" smtClean="0"/>
-              <a:t>3/21/2024</a:t>
+              <a:t>3/27/2024</a:t>
             </a:fld>
             <a:endParaRPr lang="en-US"/>
           </a:p>
@@ -2408,7 +2413,7 @@
           <a:p>
             <a:fld id="{80B317CE-5868-4893-BDF1-1B38D076F6B7}" type="datetimeFigureOut">
               <a:rPr lang="en-US" smtClean="0"/>
-              <a:t>3/21/2024</a:t>
+              <a:t>3/27/2024</a:t>
             </a:fld>
             <a:endParaRPr lang="en-US"/>
           </a:p>
@@ -2697,7 +2702,7 @@
           <a:p>
             <a:fld id="{80B317CE-5868-4893-BDF1-1B38D076F6B7}" type="datetimeFigureOut">
               <a:rPr lang="en-US" smtClean="0"/>
-              <a:t>3/21/2024</a:t>
+              <a:t>3/27/2024</a:t>
             </a:fld>
             <a:endParaRPr lang="en-US"/>
           </a:p>
@@ -2940,7 +2945,7 @@
           <a:p>
             <a:fld id="{80B317CE-5868-4893-BDF1-1B38D076F6B7}" type="datetimeFigureOut">
               <a:rPr lang="en-US" smtClean="0"/>
-              <a:t>3/21/2024</a:t>
+              <a:t>3/27/2024</a:t>
             </a:fld>
             <a:endParaRPr lang="en-US"/>
           </a:p>
